--- a/PPT/小專(謝政利).pptx
+++ b/PPT/小專(謝政利).pptx
@@ -13,23 +13,24 @@
     <p:sldId id="258" r:id="rId8"/>
     <p:sldId id="259" r:id="rId9"/>
     <p:sldId id="260" r:id="rId10"/>
+    <p:sldId id="261" r:id="rId11"/>
   </p:sldIdLst>
   <p:sldSz cy="5143500" cx="9144000"/>
   <p:notesSz cx="6858000" cy="9144000"/>
   <p:embeddedFontLst>
     <p:embeddedFont>
       <p:font typeface="Roboto"/>
-      <p:regular r:id="rId11"/>
-      <p:bold r:id="rId12"/>
-      <p:italic r:id="rId13"/>
-      <p:boldItalic r:id="rId14"/>
+      <p:regular r:id="rId12"/>
+      <p:bold r:id="rId13"/>
+      <p:italic r:id="rId14"/>
+      <p:boldItalic r:id="rId15"/>
     </p:embeddedFont>
     <p:embeddedFont>
       <p:font typeface="Merriweather"/>
-      <p:regular r:id="rId15"/>
-      <p:bold r:id="rId16"/>
-      <p:italic r:id="rId17"/>
-      <p:boldItalic r:id="rId18"/>
+      <p:regular r:id="rId16"/>
+      <p:bold r:id="rId17"/>
+      <p:italic r:id="rId18"/>
+      <p:boldItalic r:id="rId19"/>
     </p:embeddedFont>
   </p:embeddedFontLst>
   <p:defaultTextStyle>
@@ -277,7 +278,7 @@
       </p15:sldGuideLst>
     </p:ext>
     <p:ext uri="GoogleSlidesCustomDataVersion2">
-      <go:slidesCustomData xmlns:go="http://customooxmlschemas.google.com/" r:id="rId19" roundtripDataSignature="AMtx7misKKFuiwiVQBZy99I4MIFmKqZWcQ=="/>
+      <go:slidesCustomData xmlns:go="http://customooxmlschemas.google.com/" r:id="rId20" roundtripDataSignature="AMtx7mgI97Psaz9S5/TMNMIgSZT2hHXZ6g=="/>
     </p:ext>
   </p:extLst>
 </p:presentation>
@@ -1200,7 +1201,7 @@
   <p:cSld>
     <p:spTree>
       <p:nvGrpSpPr>
-        <p:cNvPr id="78" name="Shape 78"/>
+        <p:cNvPr id="83" name="Shape 83"/>
         <p:cNvGrpSpPr/>
         <p:nvPr/>
       </p:nvGrpSpPr>
@@ -1214,7 +1215,106 @@
       </p:grpSpPr>
       <p:sp>
         <p:nvSpPr>
-          <p:cNvPr id="79" name="Google Shape;79;p4:notes"/>
+          <p:cNvPr id="84" name="Google Shape;84;g25c57d34632_0_8:notes"/>
+          <p:cNvSpPr/>
+          <p:nvPr>
+            <p:ph idx="2" type="sldImg"/>
+          </p:nvPr>
+        </p:nvSpPr>
+        <p:spPr>
+          <a:xfrm>
+            <a:off x="381300" y="685800"/>
+            <a:ext cx="6096000" cy="3429000"/>
+          </a:xfrm>
+          <a:custGeom>
+            <a:rect b="b" l="l" r="r" t="t"/>
+            <a:pathLst>
+              <a:path extrusionOk="0" h="120000" w="120000">
+                <a:moveTo>
+                  <a:pt x="0" y="0"/>
+                </a:moveTo>
+                <a:lnTo>
+                  <a:pt x="120000" y="0"/>
+                </a:lnTo>
+                <a:lnTo>
+                  <a:pt x="120000" y="120000"/>
+                </a:lnTo>
+                <a:lnTo>
+                  <a:pt x="0" y="120000"/>
+                </a:lnTo>
+                <a:close/>
+              </a:path>
+            </a:pathLst>
+          </a:custGeom>
+        </p:spPr>
+      </p:sp>
+      <p:sp>
+        <p:nvSpPr>
+          <p:cNvPr id="85" name="Google Shape;85;g25c57d34632_0_8:notes"/>
+          <p:cNvSpPr txBox="1"/>
+          <p:nvPr>
+            <p:ph idx="1" type="body"/>
+          </p:nvPr>
+        </p:nvSpPr>
+        <p:spPr>
+          <a:xfrm>
+            <a:off x="685800" y="4343400"/>
+            <a:ext cx="5486400" cy="4114800"/>
+          </a:xfrm>
+          <a:prstGeom prst="rect">
+            <a:avLst/>
+          </a:prstGeom>
+        </p:spPr>
+        <p:txBody>
+          <a:bodyPr anchorCtr="0" anchor="t" bIns="91425" lIns="91425" spcFirstLastPara="1" rIns="91425" wrap="square" tIns="91425">
+            <a:noAutofit/>
+          </a:bodyPr>
+          <a:lstStyle/>
+          <a:p>
+            <a:pPr indent="0" lvl="0" marL="0" rtl="0" algn="l">
+              <a:spcBef>
+                <a:spcPts val="0"/>
+              </a:spcBef>
+              <a:spcAft>
+                <a:spcPts val="0"/>
+              </a:spcAft>
+              <a:buNone/>
+            </a:pPr>
+            <a:r>
+              <a:t/>
+            </a:r>
+            <a:endParaRPr/>
+          </a:p>
+        </p:txBody>
+      </p:sp>
+    </p:spTree>
+  </p:cSld>
+  <p:clrMapOvr>
+    <a:masterClrMapping/>
+  </p:clrMapOvr>
+</p:notes>
+</file>
+
+<file path=ppt/notesSlides/notesSlide5.xml><?xml version="1.0" encoding="utf-8"?>
+<p:notes xmlns:a="http://schemas.openxmlformats.org/drawingml/2006/main" xmlns:r="http://schemas.openxmlformats.org/officeDocument/2006/relationships" xmlns:mc="http://schemas.openxmlformats.org/markup-compatibility/2006" xmlns:mv="urn:schemas-microsoft-com:mac:vml" xmlns:p="http://schemas.openxmlformats.org/presentationml/2006/main" xmlns:c="http://schemas.openxmlformats.org/drawingml/2006/chart" xmlns:dgm="http://schemas.openxmlformats.org/drawingml/2006/diagram" xmlns:o="urn:schemas-microsoft-com:office:office" xmlns:v="urn:schemas-microsoft-com:vml" xmlns:pvml="urn:schemas-microsoft-com:office:powerpoint" xmlns:com="http://schemas.openxmlformats.org/drawingml/2006/compatibility" xmlns:p14="http://schemas.microsoft.com/office/powerpoint/2010/main" xmlns:p15="http://schemas.microsoft.com/office/powerpoint/2012/main" xmlns:ahyp="http://schemas.microsoft.com/office/drawing/2018/hyperlinkcolor" showMasterPhAnim="0" showMasterSp="0">
+  <p:cSld>
+    <p:spTree>
+      <p:nvGrpSpPr>
+        <p:cNvPr id="95" name="Shape 95"/>
+        <p:cNvGrpSpPr/>
+        <p:nvPr/>
+      </p:nvGrpSpPr>
+      <p:grpSpPr>
+        <a:xfrm>
+          <a:off x="0" y="0"/>
+          <a:ext cx="0" cy="0"/>
+          <a:chOff x="0" y="0"/>
+          <a:chExt cx="0" cy="0"/>
+        </a:xfrm>
+      </p:grpSpPr>
+      <p:sp>
+        <p:nvSpPr>
+          <p:cNvPr id="96" name="Google Shape;96;p4:notes"/>
           <p:cNvSpPr/>
           <p:nvPr>
             <p:ph idx="2" type="sldImg"/>
@@ -1259,7 +1359,7 @@
       </p:sp>
       <p:sp>
         <p:nvSpPr>
-          <p:cNvPr id="80" name="Google Shape;80;p4:notes"/>
+          <p:cNvPr id="97" name="Google Shape;97;p4:notes"/>
           <p:cNvSpPr txBox="1"/>
           <p:nvPr>
             <p:ph idx="1" type="body"/>
@@ -1312,12 +1412,12 @@
 </p:notes>
 </file>
 
-<file path=ppt/notesSlides/notesSlide5.xml><?xml version="1.0" encoding="utf-8"?>
+<file path=ppt/notesSlides/notesSlide6.xml><?xml version="1.0" encoding="utf-8"?>
 <p:notes xmlns:a="http://schemas.openxmlformats.org/drawingml/2006/main" xmlns:r="http://schemas.openxmlformats.org/officeDocument/2006/relationships" xmlns:mc="http://schemas.openxmlformats.org/markup-compatibility/2006" xmlns:mv="urn:schemas-microsoft-com:mac:vml" xmlns:p="http://schemas.openxmlformats.org/presentationml/2006/main" xmlns:c="http://schemas.openxmlformats.org/drawingml/2006/chart" xmlns:dgm="http://schemas.openxmlformats.org/drawingml/2006/diagram" xmlns:o="urn:schemas-microsoft-com:office:office" xmlns:v="urn:schemas-microsoft-com:vml" xmlns:pvml="urn:schemas-microsoft-com:office:powerpoint" xmlns:com="http://schemas.openxmlformats.org/drawingml/2006/compatibility" xmlns:p14="http://schemas.microsoft.com/office/powerpoint/2010/main" xmlns:p15="http://schemas.microsoft.com/office/powerpoint/2012/main" xmlns:ahyp="http://schemas.microsoft.com/office/drawing/2018/hyperlinkcolor" showMasterPhAnim="0" showMasterSp="0">
   <p:cSld>
     <p:spTree>
       <p:nvGrpSpPr>
-        <p:cNvPr id="87" name="Shape 87"/>
+        <p:cNvPr id="104" name="Shape 104"/>
         <p:cNvGrpSpPr/>
         <p:nvPr/>
       </p:nvGrpSpPr>
@@ -1331,7 +1431,7 @@
       </p:grpSpPr>
       <p:sp>
         <p:nvSpPr>
-          <p:cNvPr id="88" name="Google Shape;88;p5:notes"/>
+          <p:cNvPr id="105" name="Google Shape;105;p5:notes"/>
           <p:cNvSpPr/>
           <p:nvPr>
             <p:ph idx="2" type="sldImg"/>
@@ -1376,7 +1476,7 @@
       </p:sp>
       <p:sp>
         <p:nvSpPr>
-          <p:cNvPr id="89" name="Google Shape;89;p5:notes"/>
+          <p:cNvPr id="106" name="Google Shape;106;p5:notes"/>
           <p:cNvSpPr txBox="1"/>
           <p:nvPr>
             <p:ph idx="1" type="body"/>
@@ -10350,7 +10450,7 @@
                 <a:cs typeface="DFKai-SB"/>
                 <a:sym typeface="DFKai-SB"/>
               </a:rPr>
-              <a:t>2024年動漫清單網站</a:t>
+              <a:t>2023年動漫清單網站</a:t>
             </a:r>
             <a:endParaRPr sz="4000">
               <a:latin typeface="DFKai-SB"/>
@@ -10703,7 +10803,7 @@
         </p:nvSpPr>
         <p:spPr>
           <a:xfrm>
-            <a:off x="311700" y="1505700"/>
+            <a:off x="311700" y="1582600"/>
             <a:ext cx="8520600" cy="3076200"/>
           </a:xfrm>
           <a:prstGeom prst="rect">
@@ -10713,13 +10813,10 @@
           <a:ln>
             <a:noFill/>
           </a:ln>
-          <a:effectLst>
-            <a:reflection blurRad="0" dir="5400000" dist="38100" endA="0" fadeDir="5400012" kx="0" rotWithShape="0" algn="bl" stPos="0" sy="-100000" ky="0"/>
-          </a:effectLst>
         </p:spPr>
         <p:txBody>
           <a:bodyPr anchorCtr="0" anchor="t" bIns="91425" lIns="91425" spcFirstLastPara="1" rIns="91425" wrap="square" tIns="91425">
-            <a:normAutofit lnSpcReduction="10000"/>
+            <a:normAutofit/>
           </a:bodyPr>
           <a:lstStyle/>
           <a:p>
@@ -10738,7 +10835,26 @@
             </a:pPr>
             <a:r>
               <a:rPr lang="zh-TW" sz="2400"/>
-              <a:t>導覽列	</a:t>
+              <a:t>導覽列</a:t>
+            </a:r>
+            <a:endParaRPr sz="2400"/>
+          </a:p>
+          <a:p>
+            <a:pPr indent="0" lvl="0" marL="457200" rtl="0" algn="l">
+              <a:lnSpc>
+                <a:spcPct val="115000"/>
+              </a:lnSpc>
+              <a:spcBef>
+                <a:spcPts val="0"/>
+              </a:spcBef>
+              <a:spcAft>
+                <a:spcPts val="0"/>
+              </a:spcAft>
+              <a:buNone/>
+            </a:pPr>
+            <a:r>
+              <a:rPr lang="zh-TW" sz="2400"/>
+              <a:t>	</a:t>
             </a:r>
             <a:endParaRPr sz="2400"/>
           </a:p>
@@ -10763,7 +10879,7 @@
             <a:endParaRPr sz="2400"/>
           </a:p>
           <a:p>
-            <a:pPr indent="-381000" lvl="0" marL="457200" rtl="0" algn="l">
+            <a:pPr indent="0" lvl="0" marL="457200" rtl="0" algn="l">
               <a:lnSpc>
                 <a:spcPct val="115000"/>
               </a:lnSpc>
@@ -10773,72 +10889,10 @@
               <a:spcAft>
                 <a:spcPts val="0"/>
               </a:spcAft>
-              <a:buSzPts val="2400"/>
-              <a:buChar char="❏"/>
+              <a:buNone/>
             </a:pPr>
             <a:r>
-              <a:rPr lang="zh-TW" sz="2400"/>
-              <a:t>清單插入</a:t>
-            </a:r>
-            <a:endParaRPr sz="2400"/>
-          </a:p>
-          <a:p>
-            <a:pPr indent="-381000" lvl="0" marL="457200" rtl="0" algn="l">
-              <a:lnSpc>
-                <a:spcPct val="115000"/>
-              </a:lnSpc>
-              <a:spcBef>
-                <a:spcPts val="0"/>
-              </a:spcBef>
-              <a:spcAft>
-                <a:spcPts val="0"/>
-              </a:spcAft>
-              <a:buSzPts val="2400"/>
-              <a:buChar char="❏"/>
-            </a:pPr>
-            <a:r>
-              <a:rPr lang="zh-TW" sz="2400"/>
-              <a:t>搜索框</a:t>
-            </a:r>
-            <a:endParaRPr sz="2400"/>
-          </a:p>
-          <a:p>
-            <a:pPr indent="-381000" lvl="0" marL="457200" rtl="0" algn="l">
-              <a:lnSpc>
-                <a:spcPct val="115000"/>
-              </a:lnSpc>
-              <a:spcBef>
-                <a:spcPts val="0"/>
-              </a:spcBef>
-              <a:spcAft>
-                <a:spcPts val="0"/>
-              </a:spcAft>
-              <a:buSzPts val="2400"/>
-              <a:buChar char="❏"/>
-            </a:pPr>
-            <a:r>
-              <a:rPr lang="zh-TW" sz="2400"/>
-              <a:t>亂數抽取</a:t>
-            </a:r>
-            <a:endParaRPr sz="2400"/>
-          </a:p>
-          <a:p>
-            <a:pPr indent="-381000" lvl="0" marL="457200" rtl="0" algn="l">
-              <a:lnSpc>
-                <a:spcPct val="115000"/>
-              </a:lnSpc>
-              <a:spcBef>
-                <a:spcPts val="0"/>
-              </a:spcBef>
-              <a:spcAft>
-                <a:spcPts val="0"/>
-              </a:spcAft>
-              <a:buSzPts val="2400"/>
-              <a:buChar char="❏"/>
-            </a:pPr>
-            <a:r>
-              <a:rPr lang="zh-TW" sz="2400"/>
-              <a:t>至頂圖</a:t>
+              <a:t/>
             </a:r>
             <a:endParaRPr sz="2400"/>
           </a:p>
@@ -10853,6 +10907,25 @@
               <a:spcAft>
                 <a:spcPts val="0"/>
               </a:spcAft>
+              <a:buNone/>
+            </a:pPr>
+            <a:r>
+              <a:t/>
+            </a:r>
+            <a:endParaRPr sz="2400"/>
+          </a:p>
+          <a:p>
+            <a:pPr indent="0" lvl="0" marL="457200" rtl="0" algn="l">
+              <a:lnSpc>
+                <a:spcPct val="115000"/>
+              </a:lnSpc>
+              <a:spcBef>
+                <a:spcPts val="0"/>
+              </a:spcBef>
+              <a:spcAft>
+                <a:spcPts val="0"/>
+              </a:spcAft>
+              <a:buSzPts val="1300"/>
               <a:buNone/>
             </a:pPr>
             <a:r>
@@ -10862,6 +10935,175 @@
           </a:p>
         </p:txBody>
       </p:sp>
+      <p:pic>
+        <p:nvPicPr>
+          <p:cNvPr id="78" name="Google Shape;78;p3"/>
+          <p:cNvPicPr preferRelativeResize="0"/>
+          <p:nvPr/>
+        </p:nvPicPr>
+        <p:blipFill>
+          <a:blip r:embed="rId3">
+            <a:alphaModFix/>
+          </a:blip>
+          <a:stretch>
+            <a:fillRect/>
+          </a:stretch>
+        </p:blipFill>
+        <p:spPr>
+          <a:xfrm>
+            <a:off x="2025638" y="1582598"/>
+            <a:ext cx="5092723" cy="2476601"/>
+          </a:xfrm>
+          <a:prstGeom prst="rect">
+            <a:avLst/>
+          </a:prstGeom>
+          <a:noFill/>
+          <a:ln>
+            <a:noFill/>
+          </a:ln>
+        </p:spPr>
+      </p:pic>
+      <p:sp>
+        <p:nvSpPr>
+          <p:cNvPr id="79" name="Google Shape;79;p3"/>
+          <p:cNvSpPr txBox="1"/>
+          <p:nvPr/>
+        </p:nvSpPr>
+        <p:spPr>
+          <a:xfrm>
+            <a:off x="7359150" y="2983250"/>
+            <a:ext cx="1661700" cy="1361100"/>
+          </a:xfrm>
+          <a:prstGeom prst="rect">
+            <a:avLst/>
+          </a:prstGeom>
+          <a:noFill/>
+          <a:ln>
+            <a:noFill/>
+          </a:ln>
+        </p:spPr>
+        <p:txBody>
+          <a:bodyPr anchorCtr="0" anchor="t" bIns="91425" lIns="91425" spcFirstLastPara="1" rIns="91425" wrap="square" tIns="91425">
+            <a:noAutofit/>
+          </a:bodyPr>
+          <a:lstStyle/>
+          <a:p>
+            <a:pPr indent="-381000" lvl="0" marL="457200" rtl="0" algn="l">
+              <a:lnSpc>
+                <a:spcPct val="115000"/>
+              </a:lnSpc>
+              <a:spcBef>
+                <a:spcPts val="0"/>
+              </a:spcBef>
+              <a:spcAft>
+                <a:spcPts val="0"/>
+              </a:spcAft>
+              <a:buClr>
+                <a:schemeClr val="dk2"/>
+              </a:buClr>
+              <a:buSzPts val="2400"/>
+              <a:buFont typeface="Roboto"/>
+              <a:buChar char="❏"/>
+            </a:pPr>
+            <a:r>
+              <a:rPr lang="zh-TW" sz="2400">
+                <a:solidFill>
+                  <a:schemeClr val="dk2"/>
+                </a:solidFill>
+                <a:latin typeface="Roboto"/>
+                <a:ea typeface="Roboto"/>
+                <a:cs typeface="Roboto"/>
+                <a:sym typeface="Roboto"/>
+              </a:rPr>
+              <a:t>至頂圖</a:t>
+            </a:r>
+            <a:endParaRPr>
+              <a:latin typeface="Roboto"/>
+              <a:ea typeface="Roboto"/>
+              <a:cs typeface="Roboto"/>
+              <a:sym typeface="Roboto"/>
+            </a:endParaRPr>
+          </a:p>
+        </p:txBody>
+      </p:sp>
+      <p:cxnSp>
+        <p:nvCxnSpPr>
+          <p:cNvPr id="80" name="Google Shape;80;p3"/>
+          <p:cNvCxnSpPr/>
+          <p:nvPr/>
+        </p:nvCxnSpPr>
+        <p:spPr>
+          <a:xfrm flipH="1" rot="10800000">
+            <a:off x="1930800" y="1709150"/>
+            <a:ext cx="648900" cy="79200"/>
+          </a:xfrm>
+          <a:prstGeom prst="straightConnector1">
+            <a:avLst/>
+          </a:prstGeom>
+          <a:noFill/>
+          <a:ln cap="flat" cmpd="sng" w="9525">
+            <a:solidFill>
+              <a:schemeClr val="dk2"/>
+            </a:solidFill>
+            <a:prstDash val="solid"/>
+            <a:round/>
+            <a:headEnd len="med" w="med" type="none"/>
+            <a:tailEnd len="med" w="med" type="triangle"/>
+          </a:ln>
+        </p:spPr>
+      </p:cxnSp>
+      <p:cxnSp>
+        <p:nvCxnSpPr>
+          <p:cNvPr id="81" name="Google Shape;81;p3"/>
+          <p:cNvCxnSpPr/>
+          <p:nvPr/>
+        </p:nvCxnSpPr>
+        <p:spPr>
+          <a:xfrm>
+            <a:off x="1883300" y="2730000"/>
+            <a:ext cx="894300" cy="7800"/>
+          </a:xfrm>
+          <a:prstGeom prst="straightConnector1">
+            <a:avLst/>
+          </a:prstGeom>
+          <a:noFill/>
+          <a:ln cap="flat" cmpd="sng" w="9525">
+            <a:solidFill>
+              <a:schemeClr val="dk2"/>
+            </a:solidFill>
+            <a:prstDash val="solid"/>
+            <a:round/>
+            <a:headEnd len="med" w="med" type="none"/>
+            <a:tailEnd len="med" w="med" type="triangle"/>
+          </a:ln>
+        </p:spPr>
+      </p:cxnSp>
+      <p:cxnSp>
+        <p:nvCxnSpPr>
+          <p:cNvPr id="82" name="Google Shape;82;p3"/>
+          <p:cNvCxnSpPr/>
+          <p:nvPr/>
+        </p:nvCxnSpPr>
+        <p:spPr>
+          <a:xfrm flipH="1">
+            <a:off x="7042700" y="3268100"/>
+            <a:ext cx="403500" cy="648900"/>
+          </a:xfrm>
+          <a:prstGeom prst="straightConnector1">
+            <a:avLst/>
+          </a:prstGeom>
+          <a:noFill/>
+          <a:ln cap="flat" cmpd="sng" w="9525">
+            <a:solidFill>
+              <a:schemeClr val="dk2"/>
+            </a:solidFill>
+            <a:prstDash val="solid"/>
+            <a:round/>
+            <a:headEnd len="med" w="med" type="none"/>
+            <a:tailEnd len="med" w="med" type="triangle"/>
+          </a:ln>
+        </p:spPr>
+      </p:cxnSp>
     </p:spTree>
   </p:cSld>
   <p:clrMapOvr>
@@ -10875,7 +11117,7 @@
   <p:cSld>
     <p:spTree>
       <p:nvGrpSpPr>
-        <p:cNvPr id="81" name="Shape 81"/>
+        <p:cNvPr id="86" name="Shape 86"/>
         <p:cNvGrpSpPr/>
         <p:nvPr/>
       </p:nvGrpSpPr>
@@ -10889,7 +11131,429 @@
       </p:grpSpPr>
       <p:sp>
         <p:nvSpPr>
-          <p:cNvPr id="82" name="Google Shape;82;p4"/>
+          <p:cNvPr id="87" name="Google Shape;87;g25c57d34632_0_8"/>
+          <p:cNvSpPr txBox="1"/>
+          <p:nvPr>
+            <p:ph type="title"/>
+          </p:nvPr>
+        </p:nvSpPr>
+        <p:spPr>
+          <a:xfrm>
+            <a:off x="311725" y="500925"/>
+            <a:ext cx="8520600" cy="623700"/>
+          </a:xfrm>
+          <a:prstGeom prst="rect">
+            <a:avLst/>
+          </a:prstGeom>
+        </p:spPr>
+        <p:txBody>
+          <a:bodyPr anchorCtr="0" anchor="t" bIns="91425" lIns="91425" spcFirstLastPara="1" rIns="91425" wrap="square" tIns="91425">
+            <a:normAutofit/>
+          </a:bodyPr>
+          <a:lstStyle/>
+          <a:p>
+            <a:pPr indent="0" lvl="0" marL="0" rtl="0" algn="ctr">
+              <a:spcBef>
+                <a:spcPts val="0"/>
+              </a:spcBef>
+              <a:spcAft>
+                <a:spcPts val="0"/>
+              </a:spcAft>
+              <a:buNone/>
+            </a:pPr>
+            <a:r>
+              <a:rPr lang="zh-TW"/>
+              <a:t>網站功能</a:t>
+            </a:r>
+            <a:endParaRPr/>
+          </a:p>
+        </p:txBody>
+      </p:sp>
+      <p:sp>
+        <p:nvSpPr>
+          <p:cNvPr id="88" name="Google Shape;88;g25c57d34632_0_8"/>
+          <p:cNvSpPr txBox="1"/>
+          <p:nvPr>
+            <p:ph idx="1" type="body"/>
+          </p:nvPr>
+        </p:nvSpPr>
+        <p:spPr>
+          <a:xfrm>
+            <a:off x="208800" y="1315775"/>
+            <a:ext cx="3999900" cy="3076200"/>
+          </a:xfrm>
+          <a:prstGeom prst="rect">
+            <a:avLst/>
+          </a:prstGeom>
+        </p:spPr>
+        <p:txBody>
+          <a:bodyPr anchorCtr="0" anchor="t" bIns="91425" lIns="91425" spcFirstLastPara="1" rIns="91425" wrap="square" tIns="91425">
+            <a:normAutofit/>
+          </a:bodyPr>
+          <a:lstStyle/>
+          <a:p>
+            <a:pPr indent="-311150" lvl="0" marL="457200" rtl="0" algn="l">
+              <a:spcBef>
+                <a:spcPts val="0"/>
+              </a:spcBef>
+              <a:spcAft>
+                <a:spcPts val="0"/>
+              </a:spcAft>
+              <a:buSzPts val="1300"/>
+              <a:buChar char="❏"/>
+            </a:pPr>
+            <a:r>
+              <a:rPr lang="zh-TW"/>
+              <a:t>搜索框</a:t>
+            </a:r>
+            <a:endParaRPr/>
+          </a:p>
+          <a:p>
+            <a:pPr indent="-311150" lvl="0" marL="457200" rtl="0" algn="l">
+              <a:spcBef>
+                <a:spcPts val="0"/>
+              </a:spcBef>
+              <a:spcAft>
+                <a:spcPts val="0"/>
+              </a:spcAft>
+              <a:buSzPts val="1300"/>
+              <a:buChar char="❏"/>
+            </a:pPr>
+            <a:r>
+              <a:rPr lang="zh-TW"/>
+              <a:t>完整清單</a:t>
+            </a:r>
+            <a:endParaRPr/>
+          </a:p>
+          <a:p>
+            <a:pPr indent="0" lvl="0" marL="457200" rtl="0" algn="l">
+              <a:spcBef>
+                <a:spcPts val="0"/>
+              </a:spcBef>
+              <a:spcAft>
+                <a:spcPts val="0"/>
+              </a:spcAft>
+              <a:buNone/>
+            </a:pPr>
+            <a:r>
+              <a:t/>
+            </a:r>
+            <a:endParaRPr/>
+          </a:p>
+          <a:p>
+            <a:pPr indent="0" lvl="0" marL="457200" rtl="0" algn="l">
+              <a:spcBef>
+                <a:spcPts val="0"/>
+              </a:spcBef>
+              <a:spcAft>
+                <a:spcPts val="0"/>
+              </a:spcAft>
+              <a:buNone/>
+            </a:pPr>
+            <a:r>
+              <a:t/>
+            </a:r>
+            <a:endParaRPr/>
+          </a:p>
+          <a:p>
+            <a:pPr indent="0" lvl="0" marL="457200" rtl="0" algn="l">
+              <a:spcBef>
+                <a:spcPts val="0"/>
+              </a:spcBef>
+              <a:spcAft>
+                <a:spcPts val="0"/>
+              </a:spcAft>
+              <a:buNone/>
+            </a:pPr>
+            <a:r>
+              <a:t/>
+            </a:r>
+            <a:endParaRPr/>
+          </a:p>
+          <a:p>
+            <a:pPr indent="0" lvl="0" marL="457200" rtl="0" algn="l">
+              <a:spcBef>
+                <a:spcPts val="0"/>
+              </a:spcBef>
+              <a:spcAft>
+                <a:spcPts val="0"/>
+              </a:spcAft>
+              <a:buNone/>
+            </a:pPr>
+            <a:r>
+              <a:t/>
+            </a:r>
+            <a:endParaRPr/>
+          </a:p>
+          <a:p>
+            <a:pPr indent="0" lvl="0" marL="457200" rtl="0" algn="l">
+              <a:spcBef>
+                <a:spcPts val="0"/>
+              </a:spcBef>
+              <a:spcAft>
+                <a:spcPts val="0"/>
+              </a:spcAft>
+              <a:buNone/>
+            </a:pPr>
+            <a:r>
+              <a:t/>
+            </a:r>
+            <a:endParaRPr/>
+          </a:p>
+          <a:p>
+            <a:pPr indent="0" lvl="0" marL="457200" rtl="0" algn="l">
+              <a:spcBef>
+                <a:spcPts val="0"/>
+              </a:spcBef>
+              <a:spcAft>
+                <a:spcPts val="0"/>
+              </a:spcAft>
+              <a:buNone/>
+            </a:pPr>
+            <a:r>
+              <a:t/>
+            </a:r>
+            <a:endParaRPr/>
+          </a:p>
+          <a:p>
+            <a:pPr indent="0" lvl="0" marL="457200" rtl="0" algn="l">
+              <a:spcBef>
+                <a:spcPts val="0"/>
+              </a:spcBef>
+              <a:spcAft>
+                <a:spcPts val="0"/>
+              </a:spcAft>
+              <a:buNone/>
+            </a:pPr>
+            <a:r>
+              <a:t/>
+            </a:r>
+            <a:endParaRPr/>
+          </a:p>
+          <a:p>
+            <a:pPr indent="0" lvl="0" marL="0" rtl="0" algn="l">
+              <a:spcBef>
+                <a:spcPts val="0"/>
+              </a:spcBef>
+              <a:spcAft>
+                <a:spcPts val="0"/>
+              </a:spcAft>
+              <a:buNone/>
+            </a:pPr>
+            <a:r>
+              <a:t/>
+            </a:r>
+            <a:endParaRPr/>
+          </a:p>
+          <a:p>
+            <a:pPr indent="-311150" lvl="0" marL="457200" rtl="0" algn="l">
+              <a:spcBef>
+                <a:spcPts val="0"/>
+              </a:spcBef>
+              <a:spcAft>
+                <a:spcPts val="0"/>
+              </a:spcAft>
+              <a:buSzPts val="1300"/>
+              <a:buChar char="❏"/>
+            </a:pPr>
+            <a:r>
+              <a:rPr lang="zh-TW"/>
+              <a:t>隨機項目</a:t>
+            </a:r>
+            <a:endParaRPr/>
+          </a:p>
+        </p:txBody>
+      </p:sp>
+      <p:pic>
+        <p:nvPicPr>
+          <p:cNvPr id="89" name="Google Shape;89;g25c57d34632_0_8"/>
+          <p:cNvPicPr preferRelativeResize="0"/>
+          <p:nvPr/>
+        </p:nvPicPr>
+        <p:blipFill>
+          <a:blip r:embed="rId3">
+            <a:alphaModFix/>
+          </a:blip>
+          <a:stretch>
+            <a:fillRect/>
+          </a:stretch>
+        </p:blipFill>
+        <p:spPr>
+          <a:xfrm>
+            <a:off x="4765000" y="1355350"/>
+            <a:ext cx="4304702" cy="2332149"/>
+          </a:xfrm>
+          <a:prstGeom prst="rect">
+            <a:avLst/>
+          </a:prstGeom>
+          <a:noFill/>
+          <a:ln>
+            <a:noFill/>
+          </a:ln>
+        </p:spPr>
+      </p:pic>
+      <p:pic>
+        <p:nvPicPr>
+          <p:cNvPr id="90" name="Google Shape;90;g25c57d34632_0_8"/>
+          <p:cNvPicPr preferRelativeResize="0"/>
+          <p:nvPr/>
+        </p:nvPicPr>
+        <p:blipFill>
+          <a:blip r:embed="rId4">
+            <a:alphaModFix/>
+          </a:blip>
+          <a:stretch>
+            <a:fillRect/>
+          </a:stretch>
+        </p:blipFill>
+        <p:spPr>
+          <a:xfrm>
+            <a:off x="1466951" y="1638025"/>
+            <a:ext cx="2686249" cy="2049476"/>
+          </a:xfrm>
+          <a:prstGeom prst="rect">
+            <a:avLst/>
+          </a:prstGeom>
+          <a:noFill/>
+          <a:ln>
+            <a:noFill/>
+          </a:ln>
+        </p:spPr>
+      </p:pic>
+      <p:pic>
+        <p:nvPicPr>
+          <p:cNvPr id="91" name="Google Shape;91;g25c57d34632_0_8"/>
+          <p:cNvPicPr preferRelativeResize="0"/>
+          <p:nvPr/>
+        </p:nvPicPr>
+        <p:blipFill>
+          <a:blip r:embed="rId5">
+            <a:alphaModFix/>
+          </a:blip>
+          <a:stretch>
+            <a:fillRect/>
+          </a:stretch>
+        </p:blipFill>
+        <p:spPr>
+          <a:xfrm>
+            <a:off x="1359463" y="4004017"/>
+            <a:ext cx="2727476" cy="924375"/>
+          </a:xfrm>
+          <a:prstGeom prst="rect">
+            <a:avLst/>
+          </a:prstGeom>
+          <a:noFill/>
+          <a:ln>
+            <a:noFill/>
+          </a:ln>
+        </p:spPr>
+      </p:pic>
+      <p:cxnSp>
+        <p:nvCxnSpPr>
+          <p:cNvPr id="92" name="Google Shape;92;g25c57d34632_0_8"/>
+          <p:cNvCxnSpPr/>
+          <p:nvPr/>
+        </p:nvCxnSpPr>
+        <p:spPr>
+          <a:xfrm rot="10800000">
+            <a:off x="4114875" y="2896025"/>
+            <a:ext cx="656700" cy="514500"/>
+          </a:xfrm>
+          <a:prstGeom prst="straightConnector1">
+            <a:avLst/>
+          </a:prstGeom>
+          <a:noFill/>
+          <a:ln cap="flat" cmpd="sng" w="9525">
+            <a:solidFill>
+              <a:schemeClr val="dk2"/>
+            </a:solidFill>
+            <a:prstDash val="solid"/>
+            <a:round/>
+            <a:headEnd len="med" w="med" type="none"/>
+            <a:tailEnd len="med" w="med" type="triangle"/>
+          </a:ln>
+        </p:spPr>
+      </p:cxnSp>
+      <p:cxnSp>
+        <p:nvCxnSpPr>
+          <p:cNvPr id="93" name="Google Shape;93;g25c57d34632_0_8"/>
+          <p:cNvCxnSpPr/>
+          <p:nvPr/>
+        </p:nvCxnSpPr>
+        <p:spPr>
+          <a:xfrm flipH="1">
+            <a:off x="4170350" y="3663750"/>
+            <a:ext cx="577500" cy="593400"/>
+          </a:xfrm>
+          <a:prstGeom prst="straightConnector1">
+            <a:avLst/>
+          </a:prstGeom>
+          <a:noFill/>
+          <a:ln cap="flat" cmpd="sng" w="9525">
+            <a:solidFill>
+              <a:schemeClr val="dk2"/>
+            </a:solidFill>
+            <a:prstDash val="solid"/>
+            <a:round/>
+            <a:headEnd len="med" w="med" type="none"/>
+            <a:tailEnd len="med" w="med" type="triangle"/>
+          </a:ln>
+        </p:spPr>
+      </p:cxnSp>
+      <p:cxnSp>
+        <p:nvCxnSpPr>
+          <p:cNvPr id="94" name="Google Shape;94;g25c57d34632_0_8"/>
+          <p:cNvCxnSpPr/>
+          <p:nvPr/>
+        </p:nvCxnSpPr>
+        <p:spPr>
+          <a:xfrm>
+            <a:off x="1463925" y="1424350"/>
+            <a:ext cx="2057400" cy="182100"/>
+          </a:xfrm>
+          <a:prstGeom prst="straightConnector1">
+            <a:avLst/>
+          </a:prstGeom>
+          <a:noFill/>
+          <a:ln cap="flat" cmpd="sng" w="9525">
+            <a:solidFill>
+              <a:schemeClr val="dk2"/>
+            </a:solidFill>
+            <a:prstDash val="solid"/>
+            <a:round/>
+            <a:headEnd len="med" w="med" type="none"/>
+            <a:tailEnd len="med" w="med" type="triangle"/>
+          </a:ln>
+        </p:spPr>
+      </p:cxnSp>
+    </p:spTree>
+  </p:cSld>
+  <p:clrMapOvr>
+    <a:masterClrMapping/>
+  </p:clrMapOvr>
+</p:sld>
+</file>
+
+<file path=ppt/slides/slide5.xml><?xml version="1.0" encoding="utf-8"?>
+<p:sld xmlns:a="http://schemas.openxmlformats.org/drawingml/2006/main" xmlns:r="http://schemas.openxmlformats.org/officeDocument/2006/relationships" xmlns:mc="http://schemas.openxmlformats.org/markup-compatibility/2006" xmlns:mv="urn:schemas-microsoft-com:mac:vml" xmlns:p="http://schemas.openxmlformats.org/presentationml/2006/main" xmlns:c="http://schemas.openxmlformats.org/drawingml/2006/chart" xmlns:dgm="http://schemas.openxmlformats.org/drawingml/2006/diagram" xmlns:o="urn:schemas-microsoft-com:office:office" xmlns:v="urn:schemas-microsoft-com:vml" xmlns:pvml="urn:schemas-microsoft-com:office:powerpoint" xmlns:com="http://schemas.openxmlformats.org/drawingml/2006/compatibility" xmlns:p14="http://schemas.microsoft.com/office/powerpoint/2010/main" xmlns:p15="http://schemas.microsoft.com/office/powerpoint/2012/main" xmlns:ahyp="http://schemas.microsoft.com/office/drawing/2018/hyperlinkcolor">
+  <p:cSld>
+    <p:spTree>
+      <p:nvGrpSpPr>
+        <p:cNvPr id="98" name="Shape 98"/>
+        <p:cNvGrpSpPr/>
+        <p:nvPr/>
+      </p:nvGrpSpPr>
+      <p:grpSpPr>
+        <a:xfrm>
+          <a:off x="0" y="0"/>
+          <a:ext cx="0" cy="0"/>
+          <a:chOff x="0" y="0"/>
+          <a:chExt cx="0" cy="0"/>
+        </a:xfrm>
+      </p:grpSpPr>
+      <p:sp>
+        <p:nvSpPr>
+          <p:cNvPr id="99" name="Google Shape;99;p4"/>
           <p:cNvSpPr txBox="1"/>
           <p:nvPr>
             <p:ph type="title"/>
@@ -10937,7 +11601,7 @@
       </p:sp>
       <p:pic>
         <p:nvPicPr>
-          <p:cNvPr id="83" name="Google Shape;83;p4"/>
+          <p:cNvPr id="100" name="Google Shape;100;p4"/>
           <p:cNvPicPr preferRelativeResize="0"/>
           <p:nvPr/>
         </p:nvPicPr>
@@ -10950,7 +11614,7 @@
         </p:blipFill>
         <p:spPr>
           <a:xfrm>
-            <a:off x="311725" y="2335075"/>
+            <a:off x="6497050" y="1714500"/>
             <a:ext cx="2143140" cy="1714500"/>
           </a:xfrm>
           <a:prstGeom prst="rect">
@@ -10964,7 +11628,7 @@
       </p:pic>
       <p:pic>
         <p:nvPicPr>
-          <p:cNvPr id="84" name="Google Shape;84;p4"/>
+          <p:cNvPr id="101" name="Google Shape;101;p4"/>
           <p:cNvPicPr preferRelativeResize="0"/>
           <p:nvPr/>
         </p:nvPicPr>
@@ -10977,7 +11641,7 @@
         </p:blipFill>
         <p:spPr>
           <a:xfrm>
-            <a:off x="2953550" y="2335075"/>
+            <a:off x="403650" y="1714500"/>
             <a:ext cx="1714500" cy="1714500"/>
           </a:xfrm>
           <a:prstGeom prst="rect">
@@ -10991,7 +11655,7 @@
       </p:pic>
       <p:pic>
         <p:nvPicPr>
-          <p:cNvPr id="85" name="Google Shape;85;p4"/>
+          <p:cNvPr id="102" name="Google Shape;102;p4"/>
           <p:cNvPicPr preferRelativeResize="0"/>
           <p:nvPr/>
         </p:nvPicPr>
@@ -11004,7 +11668,7 @@
         </p:blipFill>
         <p:spPr>
           <a:xfrm>
-            <a:off x="5025700" y="2335075"/>
+            <a:off x="2585075" y="1714500"/>
             <a:ext cx="1216744" cy="1714500"/>
           </a:xfrm>
           <a:prstGeom prst="rect">
@@ -11018,7 +11682,7 @@
       </p:pic>
       <p:pic>
         <p:nvPicPr>
-          <p:cNvPr id="86" name="Google Shape;86;p4"/>
+          <p:cNvPr id="103" name="Google Shape;103;p4"/>
           <p:cNvPicPr preferRelativeResize="0"/>
           <p:nvPr/>
         </p:nvPicPr>
@@ -11031,7 +11695,7 @@
         </p:blipFill>
         <p:spPr>
           <a:xfrm>
-            <a:off x="5940625" y="2335071"/>
+            <a:off x="3572875" y="1714496"/>
             <a:ext cx="3050711" cy="1714500"/>
           </a:xfrm>
           <a:prstGeom prst="rect">
@@ -11051,12 +11715,12 @@
 </p:sld>
 </file>
 
-<file path=ppt/slides/slide5.xml><?xml version="1.0" encoding="utf-8"?>
+<file path=ppt/slides/slide6.xml><?xml version="1.0" encoding="utf-8"?>
 <p:sld xmlns:a="http://schemas.openxmlformats.org/drawingml/2006/main" xmlns:r="http://schemas.openxmlformats.org/officeDocument/2006/relationships" xmlns:mc="http://schemas.openxmlformats.org/markup-compatibility/2006" xmlns:mv="urn:schemas-microsoft-com:mac:vml" xmlns:p="http://schemas.openxmlformats.org/presentationml/2006/main" xmlns:c="http://schemas.openxmlformats.org/drawingml/2006/chart" xmlns:dgm="http://schemas.openxmlformats.org/drawingml/2006/diagram" xmlns:o="urn:schemas-microsoft-com:office:office" xmlns:v="urn:schemas-microsoft-com:vml" xmlns:pvml="urn:schemas-microsoft-com:office:powerpoint" xmlns:com="http://schemas.openxmlformats.org/drawingml/2006/compatibility" xmlns:p14="http://schemas.microsoft.com/office/powerpoint/2010/main" xmlns:p15="http://schemas.microsoft.com/office/powerpoint/2012/main" xmlns:ahyp="http://schemas.microsoft.com/office/drawing/2018/hyperlinkcolor">
   <p:cSld>
     <p:spTree>
       <p:nvGrpSpPr>
-        <p:cNvPr id="90" name="Shape 90"/>
+        <p:cNvPr id="107" name="Shape 107"/>
         <p:cNvGrpSpPr/>
         <p:nvPr/>
       </p:nvGrpSpPr>
@@ -11070,7 +11734,7 @@
       </p:grpSpPr>
       <p:sp>
         <p:nvSpPr>
-          <p:cNvPr id="91" name="Google Shape;91;p5"/>
+          <p:cNvPr id="108" name="Google Shape;108;p5"/>
           <p:cNvSpPr txBox="1"/>
           <p:nvPr>
             <p:ph type="title"/>
@@ -11110,11 +11774,7 @@
             </a:pPr>
             <a:r>
               <a:rPr lang="zh-TW"/>
-              <a:t>圖片來源</a:t>
-            </a:r>
-            <a:r>
-              <a:rPr lang="zh-TW"/>
-              <a:t>平台</a:t>
+              <a:t>圖片來源平台</a:t>
             </a:r>
             <a:endParaRPr/>
           </a:p>
@@ -11122,13 +11782,13 @@
       </p:sp>
       <p:sp>
         <p:nvSpPr>
-          <p:cNvPr id="92" name="Google Shape;92;p5"/>
+          <p:cNvPr id="109" name="Google Shape;109;p5"/>
           <p:cNvSpPr txBox="1"/>
           <p:nvPr/>
         </p:nvSpPr>
         <p:spPr>
           <a:xfrm>
-            <a:off x="231825" y="1538225"/>
+            <a:off x="231925" y="1545500"/>
             <a:ext cx="8600400" cy="3441000"/>
           </a:xfrm>
           <a:prstGeom prst="rect">
@@ -11607,10 +12267,73 @@
               </a:rPr>
               <a:t>https://www.e-muse.com.tw/zh</a:t>
             </a:r>
-            <a:endParaRPr b="0" i="0" sz="1400" u="none" cap="none" strike="noStrike">
-              <a:solidFill>
-                <a:srgbClr val="000000"/>
-              </a:solidFill>
+            <a:endParaRPr>
+              <a:latin typeface="Roboto"/>
+              <a:ea typeface="Roboto"/>
+              <a:cs typeface="Roboto"/>
+              <a:sym typeface="Roboto"/>
+            </a:endParaRPr>
+          </a:p>
+          <a:p>
+            <a:pPr indent="0" lvl="0" marL="0" marR="0" rtl="0" algn="l">
+              <a:lnSpc>
+                <a:spcPct val="100000"/>
+              </a:lnSpc>
+              <a:spcBef>
+                <a:spcPts val="0"/>
+              </a:spcBef>
+              <a:spcAft>
+                <a:spcPts val="0"/>
+              </a:spcAft>
+              <a:buClr>
+                <a:srgbClr val="000000"/>
+              </a:buClr>
+              <a:buSzPts val="1400"/>
+              <a:buFont typeface="Arial"/>
+              <a:buNone/>
+            </a:pPr>
+            <a:r>
+              <a:t/>
+            </a:r>
+            <a:endParaRPr>
+              <a:latin typeface="Roboto"/>
+              <a:ea typeface="Roboto"/>
+              <a:cs typeface="Roboto"/>
+              <a:sym typeface="Roboto"/>
+            </a:endParaRPr>
+          </a:p>
+          <a:p>
+            <a:pPr indent="0" lvl="0" marL="0" marR="0" rtl="0" algn="l">
+              <a:lnSpc>
+                <a:spcPct val="100000"/>
+              </a:lnSpc>
+              <a:spcBef>
+                <a:spcPts val="0"/>
+              </a:spcBef>
+              <a:spcAft>
+                <a:spcPts val="0"/>
+              </a:spcAft>
+              <a:buClr>
+                <a:srgbClr val="000000"/>
+              </a:buClr>
+              <a:buSzPts val="1400"/>
+              <a:buFont typeface="Arial"/>
+              <a:buNone/>
+            </a:pPr>
+            <a:r>
+              <a:rPr lang="zh-TW" u="sng">
+                <a:solidFill>
+                  <a:schemeClr val="hlink"/>
+                </a:solidFill>
+                <a:latin typeface="Roboto"/>
+                <a:ea typeface="Roboto"/>
+                <a:cs typeface="Roboto"/>
+                <a:sym typeface="Roboto"/>
+                <a:hlinkClick r:id="rId10"/>
+              </a:rPr>
+              <a:t>https://zh.wikipedia.org/zh-tw</a:t>
+            </a:r>
+            <a:endParaRPr>
               <a:latin typeface="Roboto"/>
               <a:ea typeface="Roboto"/>
               <a:cs typeface="Roboto"/>
@@ -11628,6 +12351,285 @@
 </file>
 
 <file path=ppt/theme/theme1.xml><?xml version="1.0" encoding="utf-8"?>
+<a:theme xmlns:a="http://schemas.openxmlformats.org/drawingml/2006/main" xmlns:r="http://schemas.openxmlformats.org/officeDocument/2006/relationships" name="Paradigm">
+  <a:themeElements>
+    <a:clrScheme name="Paradigm">
+      <a:dk1>
+        <a:srgbClr val="31394D"/>
+      </a:dk1>
+      <a:lt1>
+        <a:srgbClr val="FFFFFF"/>
+      </a:lt1>
+      <a:dk2>
+        <a:srgbClr val="666666"/>
+      </a:dk2>
+      <a:lt2>
+        <a:srgbClr val="626B73"/>
+      </a:lt2>
+      <a:accent1>
+        <a:srgbClr val="002F4A"/>
+      </a:accent1>
+      <a:accent2>
+        <a:srgbClr val="D9C4B1"/>
+      </a:accent2>
+      <a:accent3>
+        <a:srgbClr val="EDE3DA"/>
+      </a:accent3>
+      <a:accent4>
+        <a:srgbClr val="B85741"/>
+      </a:accent4>
+      <a:accent5>
+        <a:srgbClr val="009384"/>
+      </a:accent5>
+      <a:accent6>
+        <a:srgbClr val="D0F6FF"/>
+      </a:accent6>
+      <a:hlink>
+        <a:srgbClr val="009384"/>
+      </a:hlink>
+      <a:folHlink>
+        <a:srgbClr val="009384"/>
+      </a:folHlink>
+    </a:clrScheme>
+    <a:fontScheme name="Office">
+      <a:majorFont>
+        <a:latin typeface="Arial"/>
+        <a:ea typeface=""/>
+        <a:cs typeface=""/>
+        <a:font script="Jpan" typeface="ＭＳ Ｐゴシック"/>
+        <a:font script="Hang" typeface="맑은 고딕"/>
+        <a:font script="Hans" typeface="宋体"/>
+        <a:font script="Hant" typeface="新細明體"/>
+        <a:font script="Arab" typeface="Times New Roman"/>
+        <a:font script="Hebr" typeface="Times New Roman"/>
+        <a:font script="Thai" typeface="Angsana New"/>
+        <a:font script="Ethi" typeface="Nyala"/>
+        <a:font script="Beng" typeface="Vrinda"/>
+        <a:font script="Gujr" typeface="Shruti"/>
+        <a:font script="Khmr" typeface="MoolBoran"/>
+        <a:font script="Knda" typeface="Tunga"/>
+        <a:font script="Guru" typeface="Raavi"/>
+        <a:font script="Cans" typeface="Euphemia"/>
+        <a:font script="Cher" typeface="Plantagenet Cherokee"/>
+        <a:font script="Yiii" typeface="Microsoft Yi Baiti"/>
+        <a:font script="Tibt" typeface="Microsoft Himalaya"/>
+        <a:font script="Thaa" typeface="MV Boli"/>
+        <a:font script="Deva" typeface="Mangal"/>
+        <a:font script="Telu" typeface="Gautami"/>
+        <a:font script="Taml" typeface="Latha"/>
+        <a:font script="Syrc" typeface="Estrangelo Edessa"/>
+        <a:font script="Orya" typeface="Kalinga"/>
+        <a:font script="Mlym" typeface="Kartika"/>
+        <a:font script="Laoo" typeface="DokChampa"/>
+        <a:font script="Sinh" typeface="Iskoola Pota"/>
+        <a:font script="Mong" typeface="Mongolian Baiti"/>
+        <a:font script="Viet" typeface="Times New Roman"/>
+        <a:font script="Uigh" typeface="Microsoft Uighur"/>
+        <a:font script="Geor" typeface="Sylfaen"/>
+      </a:majorFont>
+      <a:minorFont>
+        <a:latin typeface="Arial"/>
+        <a:ea typeface=""/>
+        <a:cs typeface=""/>
+        <a:font script="Jpan" typeface="ＭＳ Ｐゴシック"/>
+        <a:font script="Hang" typeface="맑은 고딕"/>
+        <a:font script="Hans" typeface="宋体"/>
+        <a:font script="Hant" typeface="新細明體"/>
+        <a:font script="Arab" typeface="Arial"/>
+        <a:font script="Hebr" typeface="Arial"/>
+        <a:font script="Thai" typeface="Cordia New"/>
+        <a:font script="Ethi" typeface="Nyala"/>
+        <a:font script="Beng" typeface="Vrinda"/>
+        <a:font script="Gujr" typeface="Shruti"/>
+        <a:font script="Khmr" typeface="DaunPenh"/>
+        <a:font script="Knda" typeface="Tunga"/>
+        <a:font script="Guru" typeface="Raavi"/>
+        <a:font script="Cans" typeface="Euphemia"/>
+        <a:font script="Cher" typeface="Plantagenet Cherokee"/>
+        <a:font script="Yiii" typeface="Microsoft Yi Baiti"/>
+        <a:font script="Tibt" typeface="Microsoft Himalaya"/>
+        <a:font script="Thaa" typeface="MV Boli"/>
+        <a:font script="Deva" typeface="Mangal"/>
+        <a:font script="Telu" typeface="Gautami"/>
+        <a:font script="Taml" typeface="Latha"/>
+        <a:font script="Syrc" typeface="Estrangelo Edessa"/>
+        <a:font script="Orya" typeface="Kalinga"/>
+        <a:font script="Mlym" typeface="Kartika"/>
+        <a:font script="Laoo" typeface="DokChampa"/>
+        <a:font script="Sinh" typeface="Iskoola Pota"/>
+        <a:font script="Mong" typeface="Mongolian Baiti"/>
+        <a:font script="Viet" typeface="Arial"/>
+        <a:font script="Uigh" typeface="Microsoft Uighur"/>
+        <a:font script="Geor" typeface="Sylfaen"/>
+      </a:minorFont>
+    </a:fontScheme>
+    <a:fmtScheme name="Office">
+      <a:fillStyleLst>
+        <a:solidFill>
+          <a:schemeClr val="phClr"/>
+        </a:solidFill>
+        <a:gradFill rotWithShape="1">
+          <a:gsLst>
+            <a:gs pos="0">
+              <a:schemeClr val="phClr">
+                <a:tint val="50000"/>
+                <a:satMod val="300000"/>
+              </a:schemeClr>
+            </a:gs>
+            <a:gs pos="35000">
+              <a:schemeClr val="phClr">
+                <a:tint val="37000"/>
+                <a:satMod val="300000"/>
+              </a:schemeClr>
+            </a:gs>
+            <a:gs pos="100000">
+              <a:schemeClr val="phClr">
+                <a:tint val="15000"/>
+                <a:satMod val="350000"/>
+              </a:schemeClr>
+            </a:gs>
+          </a:gsLst>
+          <a:lin ang="16200000" scaled="1"/>
+        </a:gradFill>
+        <a:gradFill rotWithShape="1">
+          <a:gsLst>
+            <a:gs pos="0">
+              <a:schemeClr val="phClr">
+                <a:tint val="100000"/>
+                <a:shade val="100000"/>
+                <a:satMod val="130000"/>
+              </a:schemeClr>
+            </a:gs>
+            <a:gs pos="100000">
+              <a:schemeClr val="phClr">
+                <a:tint val="50000"/>
+                <a:shade val="100000"/>
+                <a:satMod val="350000"/>
+              </a:schemeClr>
+            </a:gs>
+          </a:gsLst>
+          <a:lin ang="16200000" scaled="0"/>
+        </a:gradFill>
+      </a:fillStyleLst>
+      <a:lnStyleLst>
+        <a:ln w="9525" cap="flat" cmpd="sng" algn="ctr">
+          <a:solidFill>
+            <a:schemeClr val="phClr">
+              <a:shade val="95000"/>
+              <a:satMod val="105000"/>
+            </a:schemeClr>
+          </a:solidFill>
+          <a:prstDash val="solid"/>
+        </a:ln>
+        <a:ln w="25400" cap="flat" cmpd="sng" algn="ctr">
+          <a:solidFill>
+            <a:schemeClr val="phClr"/>
+          </a:solidFill>
+          <a:prstDash val="solid"/>
+        </a:ln>
+        <a:ln w="38100" cap="flat" cmpd="sng" algn="ctr">
+          <a:solidFill>
+            <a:schemeClr val="phClr"/>
+          </a:solidFill>
+          <a:prstDash val="solid"/>
+        </a:ln>
+      </a:lnStyleLst>
+      <a:effectStyleLst>
+        <a:effectStyle>
+          <a:effectLst>
+            <a:outerShdw blurRad="40000" dist="20000" dir="5400000" rotWithShape="0">
+              <a:srgbClr val="000000">
+                <a:alpha val="38000"/>
+              </a:srgbClr>
+            </a:outerShdw>
+          </a:effectLst>
+        </a:effectStyle>
+        <a:effectStyle>
+          <a:effectLst>
+            <a:outerShdw blurRad="40000" dist="23000" dir="5400000" rotWithShape="0">
+              <a:srgbClr val="000000">
+                <a:alpha val="35000"/>
+              </a:srgbClr>
+            </a:outerShdw>
+          </a:effectLst>
+        </a:effectStyle>
+        <a:effectStyle>
+          <a:effectLst>
+            <a:outerShdw blurRad="40000" dist="23000" dir="5400000" rotWithShape="0">
+              <a:srgbClr val="000000">
+                <a:alpha val="35000"/>
+              </a:srgbClr>
+            </a:outerShdw>
+          </a:effectLst>
+          <a:scene3d>
+            <a:camera prst="orthographicFront">
+              <a:rot lat="0" lon="0" rev="0"/>
+            </a:camera>
+            <a:lightRig rig="threePt" dir="t">
+              <a:rot lat="0" lon="0" rev="1200000"/>
+            </a:lightRig>
+          </a:scene3d>
+          <a:sp3d>
+            <a:bevelT w="63500" h="25400"/>
+          </a:sp3d>
+        </a:effectStyle>
+      </a:effectStyleLst>
+      <a:bgFillStyleLst>
+        <a:solidFill>
+          <a:schemeClr val="phClr"/>
+        </a:solidFill>
+        <a:gradFill rotWithShape="1">
+          <a:gsLst>
+            <a:gs pos="0">
+              <a:schemeClr val="phClr">
+                <a:tint val="40000"/>
+                <a:satMod val="350000"/>
+              </a:schemeClr>
+            </a:gs>
+            <a:gs pos="40000">
+              <a:schemeClr val="phClr">
+                <a:tint val="45000"/>
+                <a:shade val="99000"/>
+                <a:satMod val="350000"/>
+              </a:schemeClr>
+            </a:gs>
+            <a:gs pos="100000">
+              <a:schemeClr val="phClr">
+                <a:shade val="20000"/>
+                <a:satMod val="255000"/>
+              </a:schemeClr>
+            </a:gs>
+          </a:gsLst>
+          <a:path path="circle">
+            <a:fillToRect l="50000" t="-80000" r="50000" b="180000"/>
+          </a:path>
+        </a:gradFill>
+        <a:gradFill rotWithShape="1">
+          <a:gsLst>
+            <a:gs pos="0">
+              <a:schemeClr val="phClr">
+                <a:tint val="80000"/>
+                <a:satMod val="300000"/>
+              </a:schemeClr>
+            </a:gs>
+            <a:gs pos="100000">
+              <a:schemeClr val="phClr">
+                <a:shade val="30000"/>
+                <a:satMod val="200000"/>
+              </a:schemeClr>
+            </a:gs>
+          </a:gsLst>
+          <a:path path="circle">
+            <a:fillToRect l="50000" t="50000" r="50000" b="50000"/>
+          </a:path>
+        </a:gradFill>
+      </a:bgFillStyleLst>
+    </a:fmtScheme>
+  </a:themeElements>
+</a:theme>
+</file>
+
+<file path=ppt/theme/theme2.xml><?xml version="1.0" encoding="utf-8"?>
 <a:theme xmlns:a="http://schemas.openxmlformats.org/drawingml/2006/main" xmlns:r="http://schemas.openxmlformats.org/officeDocument/2006/relationships">
   <a:themeElements>
     <a:clrScheme name="Default">
@@ -11904,283 +12906,4 @@
     </a:fmtScheme>
   </a:themeElements>
 </a:theme>
-</file>
-
-<file path=ppt/theme/theme2.xml><?xml version="1.0" encoding="utf-8"?>
-<a:theme xmlns:a="http://schemas.openxmlformats.org/drawingml/2006/main" xmlns:r="http://schemas.openxmlformats.org/officeDocument/2006/relationships" name="Paradigm">
-  <a:themeElements>
-    <a:clrScheme name="Paradigm">
-      <a:dk1>
-        <a:srgbClr val="31394D"/>
-      </a:dk1>
-      <a:lt1>
-        <a:srgbClr val="FFFFFF"/>
-      </a:lt1>
-      <a:dk2>
-        <a:srgbClr val="666666"/>
-      </a:dk2>
-      <a:lt2>
-        <a:srgbClr val="626B73"/>
-      </a:lt2>
-      <a:accent1>
-        <a:srgbClr val="002F4A"/>
-      </a:accent1>
-      <a:accent2>
-        <a:srgbClr val="D9C4B1"/>
-      </a:accent2>
-      <a:accent3>
-        <a:srgbClr val="EDE3DA"/>
-      </a:accent3>
-      <a:accent4>
-        <a:srgbClr val="B85741"/>
-      </a:accent4>
-      <a:accent5>
-        <a:srgbClr val="009384"/>
-      </a:accent5>
-      <a:accent6>
-        <a:srgbClr val="D0F6FF"/>
-      </a:accent6>
-      <a:hlink>
-        <a:srgbClr val="009384"/>
-      </a:hlink>
-      <a:folHlink>
-        <a:srgbClr val="009384"/>
-      </a:folHlink>
-    </a:clrScheme>
-    <a:fontScheme name="Office">
-      <a:majorFont>
-        <a:latin typeface="Arial"/>
-        <a:ea typeface=""/>
-        <a:cs typeface=""/>
-        <a:font script="Jpan" typeface="ＭＳ Ｐゴシック"/>
-        <a:font script="Hang" typeface="맑은 고딕"/>
-        <a:font script="Hans" typeface="宋体"/>
-        <a:font script="Hant" typeface="新細明體"/>
-        <a:font script="Arab" typeface="Times New Roman"/>
-        <a:font script="Hebr" typeface="Times New Roman"/>
-        <a:font script="Thai" typeface="Angsana New"/>
-        <a:font script="Ethi" typeface="Nyala"/>
-        <a:font script="Beng" typeface="Vrinda"/>
-        <a:font script="Gujr" typeface="Shruti"/>
-        <a:font script="Khmr" typeface="MoolBoran"/>
-        <a:font script="Knda" typeface="Tunga"/>
-        <a:font script="Guru" typeface="Raavi"/>
-        <a:font script="Cans" typeface="Euphemia"/>
-        <a:font script="Cher" typeface="Plantagenet Cherokee"/>
-        <a:font script="Yiii" typeface="Microsoft Yi Baiti"/>
-        <a:font script="Tibt" typeface="Microsoft Himalaya"/>
-        <a:font script="Thaa" typeface="MV Boli"/>
-        <a:font script="Deva" typeface="Mangal"/>
-        <a:font script="Telu" typeface="Gautami"/>
-        <a:font script="Taml" typeface="Latha"/>
-        <a:font script="Syrc" typeface="Estrangelo Edessa"/>
-        <a:font script="Orya" typeface="Kalinga"/>
-        <a:font script="Mlym" typeface="Kartika"/>
-        <a:font script="Laoo" typeface="DokChampa"/>
-        <a:font script="Sinh" typeface="Iskoola Pota"/>
-        <a:font script="Mong" typeface="Mongolian Baiti"/>
-        <a:font script="Viet" typeface="Times New Roman"/>
-        <a:font script="Uigh" typeface="Microsoft Uighur"/>
-        <a:font script="Geor" typeface="Sylfaen"/>
-      </a:majorFont>
-      <a:minorFont>
-        <a:latin typeface="Arial"/>
-        <a:ea typeface=""/>
-        <a:cs typeface=""/>
-        <a:font script="Jpan" typeface="ＭＳ Ｐゴシック"/>
-        <a:font script="Hang" typeface="맑은 고딕"/>
-        <a:font script="Hans" typeface="宋体"/>
-        <a:font script="Hant" typeface="新細明體"/>
-        <a:font script="Arab" typeface="Arial"/>
-        <a:font script="Hebr" typeface="Arial"/>
-        <a:font script="Thai" typeface="Cordia New"/>
-        <a:font script="Ethi" typeface="Nyala"/>
-        <a:font script="Beng" typeface="Vrinda"/>
-        <a:font script="Gujr" typeface="Shruti"/>
-        <a:font script="Khmr" typeface="DaunPenh"/>
-        <a:font script="Knda" typeface="Tunga"/>
-        <a:font script="Guru" typeface="Raavi"/>
-        <a:font script="Cans" typeface="Euphemia"/>
-        <a:font script="Cher" typeface="Plantagenet Cherokee"/>
-        <a:font script="Yiii" typeface="Microsoft Yi Baiti"/>
-        <a:font script="Tibt" typeface="Microsoft Himalaya"/>
-        <a:font script="Thaa" typeface="MV Boli"/>
-        <a:font script="Deva" typeface="Mangal"/>
-        <a:font script="Telu" typeface="Gautami"/>
-        <a:font script="Taml" typeface="Latha"/>
-        <a:font script="Syrc" typeface="Estrangelo Edessa"/>
-        <a:font script="Orya" typeface="Kalinga"/>
-        <a:font script="Mlym" typeface="Kartika"/>
-        <a:font script="Laoo" typeface="DokChampa"/>
-        <a:font script="Sinh" typeface="Iskoola Pota"/>
-        <a:font script="Mong" typeface="Mongolian Baiti"/>
-        <a:font script="Viet" typeface="Arial"/>
-        <a:font script="Uigh" typeface="Microsoft Uighur"/>
-        <a:font script="Geor" typeface="Sylfaen"/>
-      </a:minorFont>
-    </a:fontScheme>
-    <a:fmtScheme name="Office">
-      <a:fillStyleLst>
-        <a:solidFill>
-          <a:schemeClr val="phClr"/>
-        </a:solidFill>
-        <a:gradFill rotWithShape="1">
-          <a:gsLst>
-            <a:gs pos="0">
-              <a:schemeClr val="phClr">
-                <a:tint val="50000"/>
-                <a:satMod val="300000"/>
-              </a:schemeClr>
-            </a:gs>
-            <a:gs pos="35000">
-              <a:schemeClr val="phClr">
-                <a:tint val="37000"/>
-                <a:satMod val="300000"/>
-              </a:schemeClr>
-            </a:gs>
-            <a:gs pos="100000">
-              <a:schemeClr val="phClr">
-                <a:tint val="15000"/>
-                <a:satMod val="350000"/>
-              </a:schemeClr>
-            </a:gs>
-          </a:gsLst>
-          <a:lin ang="16200000" scaled="1"/>
-        </a:gradFill>
-        <a:gradFill rotWithShape="1">
-          <a:gsLst>
-            <a:gs pos="0">
-              <a:schemeClr val="phClr">
-                <a:tint val="100000"/>
-                <a:shade val="100000"/>
-                <a:satMod val="130000"/>
-              </a:schemeClr>
-            </a:gs>
-            <a:gs pos="100000">
-              <a:schemeClr val="phClr">
-                <a:tint val="50000"/>
-                <a:shade val="100000"/>
-                <a:satMod val="350000"/>
-              </a:schemeClr>
-            </a:gs>
-          </a:gsLst>
-          <a:lin ang="16200000" scaled="0"/>
-        </a:gradFill>
-      </a:fillStyleLst>
-      <a:lnStyleLst>
-        <a:ln w="9525" cap="flat" cmpd="sng" algn="ctr">
-          <a:solidFill>
-            <a:schemeClr val="phClr">
-              <a:shade val="95000"/>
-              <a:satMod val="105000"/>
-            </a:schemeClr>
-          </a:solidFill>
-          <a:prstDash val="solid"/>
-        </a:ln>
-        <a:ln w="25400" cap="flat" cmpd="sng" algn="ctr">
-          <a:solidFill>
-            <a:schemeClr val="phClr"/>
-          </a:solidFill>
-          <a:prstDash val="solid"/>
-        </a:ln>
-        <a:ln w="38100" cap="flat" cmpd="sng" algn="ctr">
-          <a:solidFill>
-            <a:schemeClr val="phClr"/>
-          </a:solidFill>
-          <a:prstDash val="solid"/>
-        </a:ln>
-      </a:lnStyleLst>
-      <a:effectStyleLst>
-        <a:effectStyle>
-          <a:effectLst>
-            <a:outerShdw blurRad="40000" dist="20000" dir="5400000" rotWithShape="0">
-              <a:srgbClr val="000000">
-                <a:alpha val="38000"/>
-              </a:srgbClr>
-            </a:outerShdw>
-          </a:effectLst>
-        </a:effectStyle>
-        <a:effectStyle>
-          <a:effectLst>
-            <a:outerShdw blurRad="40000" dist="23000" dir="5400000" rotWithShape="0">
-              <a:srgbClr val="000000">
-                <a:alpha val="35000"/>
-              </a:srgbClr>
-            </a:outerShdw>
-          </a:effectLst>
-        </a:effectStyle>
-        <a:effectStyle>
-          <a:effectLst>
-            <a:outerShdw blurRad="40000" dist="23000" dir="5400000" rotWithShape="0">
-              <a:srgbClr val="000000">
-                <a:alpha val="35000"/>
-              </a:srgbClr>
-            </a:outerShdw>
-          </a:effectLst>
-          <a:scene3d>
-            <a:camera prst="orthographicFront">
-              <a:rot lat="0" lon="0" rev="0"/>
-            </a:camera>
-            <a:lightRig rig="threePt" dir="t">
-              <a:rot lat="0" lon="0" rev="1200000"/>
-            </a:lightRig>
-          </a:scene3d>
-          <a:sp3d>
-            <a:bevelT w="63500" h="25400"/>
-          </a:sp3d>
-        </a:effectStyle>
-      </a:effectStyleLst>
-      <a:bgFillStyleLst>
-        <a:solidFill>
-          <a:schemeClr val="phClr"/>
-        </a:solidFill>
-        <a:gradFill rotWithShape="1">
-          <a:gsLst>
-            <a:gs pos="0">
-              <a:schemeClr val="phClr">
-                <a:tint val="40000"/>
-                <a:satMod val="350000"/>
-              </a:schemeClr>
-            </a:gs>
-            <a:gs pos="40000">
-              <a:schemeClr val="phClr">
-                <a:tint val="45000"/>
-                <a:shade val="99000"/>
-                <a:satMod val="350000"/>
-              </a:schemeClr>
-            </a:gs>
-            <a:gs pos="100000">
-              <a:schemeClr val="phClr">
-                <a:shade val="20000"/>
-                <a:satMod val="255000"/>
-              </a:schemeClr>
-            </a:gs>
-          </a:gsLst>
-          <a:path path="circle">
-            <a:fillToRect l="50000" t="-80000" r="50000" b="180000"/>
-          </a:path>
-        </a:gradFill>
-        <a:gradFill rotWithShape="1">
-          <a:gsLst>
-            <a:gs pos="0">
-              <a:schemeClr val="phClr">
-                <a:tint val="80000"/>
-                <a:satMod val="300000"/>
-              </a:schemeClr>
-            </a:gs>
-            <a:gs pos="100000">
-              <a:schemeClr val="phClr">
-                <a:shade val="30000"/>
-                <a:satMod val="200000"/>
-              </a:schemeClr>
-            </a:gs>
-          </a:gsLst>
-          <a:path path="circle">
-            <a:fillToRect l="50000" t="50000" r="50000" b="50000"/>
-          </a:path>
-        </a:gradFill>
-      </a:bgFillStyleLst>
-    </a:fmtScheme>
-  </a:themeElements>
-</a:theme>
 </file>